--- a/docs/diagrams/FindSequenceDiagram.pptx
+++ b/docs/diagrams/FindSequenceDiagram.pptx
@@ -104,6 +104,11 @@
       </a:defRPr>
     </a:lvl9pPr>
   </p:defaultTextStyle>
+  <p:extLst>
+    <p:ext uri="{EFAFB233-063F-42B5-8137-9DF3F51BA10A}">
+      <p15:sldGuideLst xmlns:p15="http://schemas.microsoft.com/office/powerpoint/2012/main"/>
+    </p:ext>
+  </p:extLst>
 </p:presentation>
 </file>
 
@@ -254,7 +259,7 @@
           <a:p>
             <a:fld id="{585087F3-26CD-F94B-8105-DC77D072E513}" type="datetimeFigureOut">
               <a:rPr lang="en-US" smtClean="0"/>
-              <a:t>11/10/18</a:t>
+              <a:t>11/11/18</a:t>
             </a:fld>
             <a:endParaRPr lang="en-US"/>
           </a:p>
@@ -452,7 +457,7 @@
           <a:p>
             <a:fld id="{585087F3-26CD-F94B-8105-DC77D072E513}" type="datetimeFigureOut">
               <a:rPr lang="en-US" smtClean="0"/>
-              <a:t>11/10/18</a:t>
+              <a:t>11/11/18</a:t>
             </a:fld>
             <a:endParaRPr lang="en-US"/>
           </a:p>
@@ -660,7 +665,7 @@
           <a:p>
             <a:fld id="{585087F3-26CD-F94B-8105-DC77D072E513}" type="datetimeFigureOut">
               <a:rPr lang="en-US" smtClean="0"/>
-              <a:t>11/10/18</a:t>
+              <a:t>11/11/18</a:t>
             </a:fld>
             <a:endParaRPr lang="en-US"/>
           </a:p>
@@ -858,7 +863,7 @@
           <a:p>
             <a:fld id="{585087F3-26CD-F94B-8105-DC77D072E513}" type="datetimeFigureOut">
               <a:rPr lang="en-US" smtClean="0"/>
-              <a:t>11/10/18</a:t>
+              <a:t>11/11/18</a:t>
             </a:fld>
             <a:endParaRPr lang="en-US"/>
           </a:p>
@@ -1133,7 +1138,7 @@
           <a:p>
             <a:fld id="{585087F3-26CD-F94B-8105-DC77D072E513}" type="datetimeFigureOut">
               <a:rPr lang="en-US" smtClean="0"/>
-              <a:t>11/10/18</a:t>
+              <a:t>11/11/18</a:t>
             </a:fld>
             <a:endParaRPr lang="en-US"/>
           </a:p>
@@ -1398,7 +1403,7 @@
           <a:p>
             <a:fld id="{585087F3-26CD-F94B-8105-DC77D072E513}" type="datetimeFigureOut">
               <a:rPr lang="en-US" smtClean="0"/>
-              <a:t>11/10/18</a:t>
+              <a:t>11/11/18</a:t>
             </a:fld>
             <a:endParaRPr lang="en-US"/>
           </a:p>
@@ -1810,7 +1815,7 @@
           <a:p>
             <a:fld id="{585087F3-26CD-F94B-8105-DC77D072E513}" type="datetimeFigureOut">
               <a:rPr lang="en-US" smtClean="0"/>
-              <a:t>11/10/18</a:t>
+              <a:t>11/11/18</a:t>
             </a:fld>
             <a:endParaRPr lang="en-US"/>
           </a:p>
@@ -1951,7 +1956,7 @@
           <a:p>
             <a:fld id="{585087F3-26CD-F94B-8105-DC77D072E513}" type="datetimeFigureOut">
               <a:rPr lang="en-US" smtClean="0"/>
-              <a:t>11/10/18</a:t>
+              <a:t>11/11/18</a:t>
             </a:fld>
             <a:endParaRPr lang="en-US"/>
           </a:p>
@@ -2064,7 +2069,7 @@
           <a:p>
             <a:fld id="{585087F3-26CD-F94B-8105-DC77D072E513}" type="datetimeFigureOut">
               <a:rPr lang="en-US" smtClean="0"/>
-              <a:t>11/10/18</a:t>
+              <a:t>11/11/18</a:t>
             </a:fld>
             <a:endParaRPr lang="en-US"/>
           </a:p>
@@ -2375,7 +2380,7 @@
           <a:p>
             <a:fld id="{585087F3-26CD-F94B-8105-DC77D072E513}" type="datetimeFigureOut">
               <a:rPr lang="en-US" smtClean="0"/>
-              <a:t>11/10/18</a:t>
+              <a:t>11/11/18</a:t>
             </a:fld>
             <a:endParaRPr lang="en-US"/>
           </a:p>
@@ -2663,7 +2668,7 @@
           <a:p>
             <a:fld id="{585087F3-26CD-F94B-8105-DC77D072E513}" type="datetimeFigureOut">
               <a:rPr lang="en-US" smtClean="0"/>
-              <a:t>11/10/18</a:t>
+              <a:t>11/11/18</a:t>
             </a:fld>
             <a:endParaRPr lang="en-US"/>
           </a:p>
@@ -2904,7 +2909,7 @@
           <a:p>
             <a:fld id="{585087F3-26CD-F94B-8105-DC77D072E513}" type="datetimeFigureOut">
               <a:rPr lang="en-US" smtClean="0"/>
-              <a:t>11/10/18</a:t>
+              <a:t>11/11/18</a:t>
             </a:fld>
             <a:endParaRPr lang="en-US"/>
           </a:p>
@@ -3411,10 +3416,9 @@
             </a:avLst>
           </a:prstGeom>
           <a:solidFill>
-            <a:schemeClr val="accent2">
-              <a:lumMod val="20000"/>
-              <a:lumOff val="80000"/>
-            </a:schemeClr>
+            <a:srgbClr val="30869C">
+              <a:alpha val="38824"/>
+            </a:srgbClr>
           </a:solidFill>
           <a:ln w="19050">
             <a:noFill/>
@@ -3442,14 +3446,14 @@
             <a:r>
               <a:rPr lang="en-US" sz="1200" b="1" dirty="0">
                 <a:solidFill>
-                  <a:schemeClr val="accent2"/>
+                  <a:srgbClr val="30869C"/>
                 </a:solidFill>
               </a:rPr>
               <a:t>Common</a:t>
             </a:r>
             <a:endParaRPr lang="en-SG" sz="1200" b="1" dirty="0">
               <a:solidFill>
-                <a:schemeClr val="accent2"/>
+                <a:srgbClr val="30869C"/>
               </a:solidFill>
             </a:endParaRPr>
           </a:p>
@@ -5324,11 +5328,11 @@
             <a:avLst/>
           </a:prstGeom>
           <a:solidFill>
-            <a:schemeClr val="accent2"/>
+            <a:srgbClr val="30869C"/>
           </a:solidFill>
           <a:ln>
             <a:solidFill>
-              <a:schemeClr val="accent2"/>
+              <a:srgbClr val="30869C"/>
             </a:solidFill>
           </a:ln>
         </p:spPr>
@@ -5389,7 +5393,7 @@
           </a:prstGeom>
           <a:ln w="19050">
             <a:solidFill>
-              <a:schemeClr val="accent2"/>
+              <a:srgbClr val="30869C"/>
             </a:solidFill>
             <a:prstDash val="sysDash"/>
           </a:ln>
@@ -5431,11 +5435,11 @@
             <a:avLst/>
           </a:prstGeom>
           <a:solidFill>
-            <a:schemeClr val="accent2"/>
+            <a:srgbClr val="30869C"/>
           </a:solidFill>
           <a:ln>
             <a:solidFill>
-              <a:schemeClr val="accent2"/>
+              <a:srgbClr val="30869C"/>
             </a:solidFill>
           </a:ln>
         </p:spPr>
@@ -5478,13 +5482,16 @@
         </p:nvSpPr>
         <p:spPr>
           <a:xfrm>
-            <a:off x="8246304" y="4947693"/>
+            <a:off x="8464747" y="4924290"/>
             <a:ext cx="1338532" cy="215444"/>
           </a:xfrm>
           <a:prstGeom prst="rect">
             <a:avLst/>
           </a:prstGeom>
           <a:noFill/>
+          <a:ln>
+            <a:noFill/>
+          </a:ln>
         </p:spPr>
         <p:txBody>
           <a:bodyPr wrap="square" lIns="0" tIns="0" rIns="0" bIns="0" rtlCol="0">
@@ -5507,10 +5514,26 @@
             <a:r>
               <a:rPr lang="en-US" dirty="0">
                 <a:solidFill>
-                  <a:schemeClr val="accent2"/>
+                  <a:srgbClr val="30869C"/>
                 </a:solidFill>
               </a:rPr>
-              <a:t>post(event)</a:t>
+              <a:t>post(</a:t>
+            </a:r>
+            <a:r>
+              <a:rPr lang="en-US" dirty="0" err="1">
+                <a:solidFill>
+                  <a:srgbClr val="30869C"/>
+                </a:solidFill>
+              </a:rPr>
+              <a:t>FindEvent</a:t>
+            </a:r>
+            <a:r>
+              <a:rPr lang="en-US" dirty="0">
+                <a:solidFill>
+                  <a:srgbClr val="30869C"/>
+                </a:solidFill>
+              </a:rPr>
+              <a:t>)</a:t>
             </a:r>
           </a:p>
         </p:txBody>
@@ -5539,7 +5562,7 @@
           </a:prstGeom>
           <a:ln w="19050">
             <a:solidFill>
-              <a:schemeClr val="accent2"/>
+              <a:srgbClr val="30869C"/>
             </a:solidFill>
             <a:tailEnd type="arrow"/>
           </a:ln>
@@ -5573,8 +5596,8 @@
         </p:nvSpPr>
         <p:spPr>
           <a:xfrm>
-            <a:off x="6666714" y="4673680"/>
-            <a:ext cx="613241" cy="215444"/>
+            <a:off x="6358050" y="4634183"/>
+            <a:ext cx="1550171" cy="215444"/>
           </a:xfrm>
           <a:prstGeom prst="rect">
             <a:avLst/>
@@ -5599,8 +5622,12 @@
           </a:lstStyle>
           <a:p>
             <a:r>
+              <a:rPr lang="en-US" dirty="0" err="1"/>
+              <a:t>FindEvent</a:t>
+            </a:r>
+            <a:r>
               <a:rPr lang="en-US" dirty="0"/>
-              <a:t>CS1010</a:t>
+              <a:t>(CS1010)</a:t>
             </a:r>
           </a:p>
         </p:txBody>

--- a/docs/diagrams/FindSequenceDiagram.pptx
+++ b/docs/diagrams/FindSequenceDiagram.pptx
@@ -5,7 +5,7 @@
     <p:sldMasterId id="2147483648" r:id="rId1"/>
   </p:sldMasterIdLst>
   <p:sldIdLst>
-    <p:sldId id="256" r:id="rId2"/>
+    <p:sldId id="258" r:id="rId2"/>
   </p:sldIdLst>
   <p:sldSz cx="12192000" cy="6858000"/>
   <p:notesSz cx="6858000" cy="9144000"/>
@@ -259,7 +259,7 @@
           <a:p>
             <a:fld id="{585087F3-26CD-F94B-8105-DC77D072E513}" type="datetimeFigureOut">
               <a:rPr lang="en-US" smtClean="0"/>
-              <a:t>11/11/18</a:t>
+              <a:t>11/12/18</a:t>
             </a:fld>
             <a:endParaRPr lang="en-US"/>
           </a:p>
@@ -457,7 +457,7 @@
           <a:p>
             <a:fld id="{585087F3-26CD-F94B-8105-DC77D072E513}" type="datetimeFigureOut">
               <a:rPr lang="en-US" smtClean="0"/>
-              <a:t>11/11/18</a:t>
+              <a:t>11/12/18</a:t>
             </a:fld>
             <a:endParaRPr lang="en-US"/>
           </a:p>
@@ -665,7 +665,7 @@
           <a:p>
             <a:fld id="{585087F3-26CD-F94B-8105-DC77D072E513}" type="datetimeFigureOut">
               <a:rPr lang="en-US" smtClean="0"/>
-              <a:t>11/11/18</a:t>
+              <a:t>11/12/18</a:t>
             </a:fld>
             <a:endParaRPr lang="en-US"/>
           </a:p>
@@ -863,7 +863,7 @@
           <a:p>
             <a:fld id="{585087F3-26CD-F94B-8105-DC77D072E513}" type="datetimeFigureOut">
               <a:rPr lang="en-US" smtClean="0"/>
-              <a:t>11/11/18</a:t>
+              <a:t>11/12/18</a:t>
             </a:fld>
             <a:endParaRPr lang="en-US"/>
           </a:p>
@@ -1138,7 +1138,7 @@
           <a:p>
             <a:fld id="{585087F3-26CD-F94B-8105-DC77D072E513}" type="datetimeFigureOut">
               <a:rPr lang="en-US" smtClean="0"/>
-              <a:t>11/11/18</a:t>
+              <a:t>11/12/18</a:t>
             </a:fld>
             <a:endParaRPr lang="en-US"/>
           </a:p>
@@ -1403,7 +1403,7 @@
           <a:p>
             <a:fld id="{585087F3-26CD-F94B-8105-DC77D072E513}" type="datetimeFigureOut">
               <a:rPr lang="en-US" smtClean="0"/>
-              <a:t>11/11/18</a:t>
+              <a:t>11/12/18</a:t>
             </a:fld>
             <a:endParaRPr lang="en-US"/>
           </a:p>
@@ -1815,7 +1815,7 @@
           <a:p>
             <a:fld id="{585087F3-26CD-F94B-8105-DC77D072E513}" type="datetimeFigureOut">
               <a:rPr lang="en-US" smtClean="0"/>
-              <a:t>11/11/18</a:t>
+              <a:t>11/12/18</a:t>
             </a:fld>
             <a:endParaRPr lang="en-US"/>
           </a:p>
@@ -1956,7 +1956,7 @@
           <a:p>
             <a:fld id="{585087F3-26CD-F94B-8105-DC77D072E513}" type="datetimeFigureOut">
               <a:rPr lang="en-US" smtClean="0"/>
-              <a:t>11/11/18</a:t>
+              <a:t>11/12/18</a:t>
             </a:fld>
             <a:endParaRPr lang="en-US"/>
           </a:p>
@@ -2069,7 +2069,7 @@
           <a:p>
             <a:fld id="{585087F3-26CD-F94B-8105-DC77D072E513}" type="datetimeFigureOut">
               <a:rPr lang="en-US" smtClean="0"/>
-              <a:t>11/11/18</a:t>
+              <a:t>11/12/18</a:t>
             </a:fld>
             <a:endParaRPr lang="en-US"/>
           </a:p>
@@ -2380,7 +2380,7 @@
           <a:p>
             <a:fld id="{585087F3-26CD-F94B-8105-DC77D072E513}" type="datetimeFigureOut">
               <a:rPr lang="en-US" smtClean="0"/>
-              <a:t>11/11/18</a:t>
+              <a:t>11/12/18</a:t>
             </a:fld>
             <a:endParaRPr lang="en-US"/>
           </a:p>
@@ -2668,7 +2668,7 @@
           <a:p>
             <a:fld id="{585087F3-26CD-F94B-8105-DC77D072E513}" type="datetimeFigureOut">
               <a:rPr lang="en-US" smtClean="0"/>
-              <a:t>11/11/18</a:t>
+              <a:t>11/12/18</a:t>
             </a:fld>
             <a:endParaRPr lang="en-US"/>
           </a:p>
@@ -2909,7 +2909,7 @@
           <a:p>
             <a:fld id="{585087F3-26CD-F94B-8105-DC77D072E513}" type="datetimeFigureOut">
               <a:rPr lang="en-US" smtClean="0"/>
-              <a:t>11/11/18</a:t>
+              <a:t>11/12/18</a:t>
             </a:fld>
             <a:endParaRPr lang="en-US"/>
           </a:p>
@@ -3328,10 +3328,10 @@
       </p:grpSpPr>
       <p:sp>
         <p:nvSpPr>
-          <p:cNvPr id="54" name="Rectangle 65">
-            <a:extLst>
-              <a:ext uri="{FF2B5EF4-FFF2-40B4-BE49-F238E27FC236}">
-                <a16:creationId xmlns:a16="http://schemas.microsoft.com/office/drawing/2014/main" id="{C97B00D8-4D1F-094A-ABE6-9732C0903177}"/>
+          <p:cNvPr id="4" name="Rectangle 65">
+            <a:extLst>
+              <a:ext uri="{FF2B5EF4-FFF2-40B4-BE49-F238E27FC236}">
+                <a16:creationId xmlns:a16="http://schemas.microsoft.com/office/drawing/2014/main" id="{C0D5F8AC-7CD0-5B42-8E73-0FCCB2B24326}"/>
               </a:ext>
             </a:extLst>
           </p:cNvPr>
@@ -3340,8 +3340,8 @@
         </p:nvSpPr>
         <p:spPr>
           <a:xfrm>
-            <a:off x="9285587" y="1249756"/>
-            <a:ext cx="2005114" cy="4842324"/>
+            <a:off x="266928" y="490720"/>
+            <a:ext cx="2368420" cy="5876559"/>
           </a:xfrm>
           <a:prstGeom prst="roundRect">
             <a:avLst>
@@ -3395,10 +3395,10 @@
       </p:sp>
       <p:sp>
         <p:nvSpPr>
-          <p:cNvPr id="4" name="Rectangle 65">
-            <a:extLst>
-              <a:ext uri="{FF2B5EF4-FFF2-40B4-BE49-F238E27FC236}">
-                <a16:creationId xmlns:a16="http://schemas.microsoft.com/office/drawing/2014/main" id="{6A308C8B-7A04-0D4E-914E-3D63608E6453}"/>
+          <p:cNvPr id="5" name="Rectangle 65">
+            <a:extLst>
+              <a:ext uri="{FF2B5EF4-FFF2-40B4-BE49-F238E27FC236}">
+                <a16:creationId xmlns:a16="http://schemas.microsoft.com/office/drawing/2014/main" id="{E250E23F-5619-2E45-AFBA-F53DEB9BBC46}"/>
               </a:ext>
             </a:extLst>
           </p:cNvPr>
@@ -3407,8 +3407,8 @@
         </p:nvSpPr>
         <p:spPr>
           <a:xfrm>
-            <a:off x="7086592" y="1227696"/>
-            <a:ext cx="2005114" cy="4842324"/>
+            <a:off x="9851142" y="490721"/>
+            <a:ext cx="2005114" cy="5876557"/>
           </a:xfrm>
           <a:prstGeom prst="roundRect">
             <a:avLst>
@@ -3416,9 +3416,7 @@
             </a:avLst>
           </a:prstGeom>
           <a:solidFill>
-            <a:srgbClr val="30869C">
-              <a:alpha val="38824"/>
-            </a:srgbClr>
+            <a:srgbClr val="B4D1D9"/>
           </a:solidFill>
           <a:ln w="19050">
             <a:noFill/>
@@ -3461,10 +3459,10 @@
       </p:sp>
       <p:sp>
         <p:nvSpPr>
-          <p:cNvPr id="5" name="Rectangle 65">
-            <a:extLst>
-              <a:ext uri="{FF2B5EF4-FFF2-40B4-BE49-F238E27FC236}">
-                <a16:creationId xmlns:a16="http://schemas.microsoft.com/office/drawing/2014/main" id="{9BF898A3-76BA-7C49-A49B-B0EBC443911D}"/>
+          <p:cNvPr id="6" name="Rectangle 65">
+            <a:extLst>
+              <a:ext uri="{FF2B5EF4-FFF2-40B4-BE49-F238E27FC236}">
+                <a16:creationId xmlns:a16="http://schemas.microsoft.com/office/drawing/2014/main" id="{9B9E7304-BF1C-D341-9927-7A9A40B85B7E}"/>
               </a:ext>
             </a:extLst>
           </p:cNvPr>
@@ -3473,8 +3471,8 @@
         </p:nvSpPr>
         <p:spPr>
           <a:xfrm>
-            <a:off x="0" y="1227696"/>
-            <a:ext cx="6954302" cy="4886445"/>
+            <a:off x="2764550" y="490722"/>
+            <a:ext cx="6954302" cy="5876558"/>
           </a:xfrm>
           <a:prstGeom prst="roundRect">
             <a:avLst>
@@ -3528,10 +3526,10 @@
       </p:sp>
       <p:sp>
         <p:nvSpPr>
-          <p:cNvPr id="6" name="Rectangle 62">
-            <a:extLst>
-              <a:ext uri="{FF2B5EF4-FFF2-40B4-BE49-F238E27FC236}">
-                <a16:creationId xmlns:a16="http://schemas.microsoft.com/office/drawing/2014/main" id="{0B1FE5BF-2DD0-1F40-80C4-6E74C6C66688}"/>
+          <p:cNvPr id="7" name="Rectangle 62">
+            <a:extLst>
+              <a:ext uri="{FF2B5EF4-FFF2-40B4-BE49-F238E27FC236}">
+                <a16:creationId xmlns:a16="http://schemas.microsoft.com/office/drawing/2014/main" id="{2FC5DBBD-7755-BF42-90E9-D1461797150C}"/>
               </a:ext>
             </a:extLst>
           </p:cNvPr>
@@ -3540,7 +3538,7 @@
         </p:nvSpPr>
         <p:spPr>
           <a:xfrm>
-            <a:off x="799631" y="1657174"/>
+            <a:off x="3564181" y="920200"/>
             <a:ext cx="1455629" cy="346760"/>
           </a:xfrm>
           <a:prstGeom prst="rect">
@@ -3601,10 +3599,10 @@
       </p:sp>
       <p:cxnSp>
         <p:nvCxnSpPr>
-          <p:cNvPr id="7" name="Straight Connector 6">
-            <a:extLst>
-              <a:ext uri="{FF2B5EF4-FFF2-40B4-BE49-F238E27FC236}">
-                <a16:creationId xmlns:a16="http://schemas.microsoft.com/office/drawing/2014/main" id="{49FD04FD-950F-3542-B4C2-ABD9A53D11B1}"/>
+          <p:cNvPr id="8" name="Straight Connector 7">
+            <a:extLst>
+              <a:ext uri="{FF2B5EF4-FFF2-40B4-BE49-F238E27FC236}">
+                <a16:creationId xmlns:a16="http://schemas.microsoft.com/office/drawing/2014/main" id="{35BDE32A-87CC-DC42-ABDE-A72346A9F1D9}"/>
               </a:ext>
             </a:extLst>
           </p:cNvPr>
@@ -3615,8 +3613,8 @@
         </p:nvCxnSpPr>
         <p:spPr>
           <a:xfrm flipH="1">
-            <a:off x="1509744" y="2003934"/>
-            <a:ext cx="17701" cy="4466257"/>
+            <a:off x="4291995" y="1266960"/>
+            <a:ext cx="1" cy="5270536"/>
           </a:xfrm>
           <a:prstGeom prst="line">
             <a:avLst/>
@@ -3646,10 +3644,10 @@
       </p:cxnSp>
       <p:sp>
         <p:nvSpPr>
-          <p:cNvPr id="8" name="Rectangle 7">
-            <a:extLst>
-              <a:ext uri="{FF2B5EF4-FFF2-40B4-BE49-F238E27FC236}">
-                <a16:creationId xmlns:a16="http://schemas.microsoft.com/office/drawing/2014/main" id="{551328CE-FECD-534F-AE4A-6B4C745F5E7C}"/>
+          <p:cNvPr id="9" name="Rectangle 8">
+            <a:extLst>
+              <a:ext uri="{FF2B5EF4-FFF2-40B4-BE49-F238E27FC236}">
+                <a16:creationId xmlns:a16="http://schemas.microsoft.com/office/drawing/2014/main" id="{0D2625A1-C417-BD42-B5E4-81296451264E}"/>
               </a:ext>
             </a:extLst>
           </p:cNvPr>
@@ -3658,7 +3656,7 @@
         </p:nvSpPr>
         <p:spPr>
           <a:xfrm>
-            <a:off x="1455438" y="2409416"/>
+            <a:off x="4219988" y="1672442"/>
             <a:ext cx="152400" cy="3420217"/>
           </a:xfrm>
           <a:prstGeom prst="rect">
@@ -3699,10 +3697,10 @@
       </p:sp>
       <p:sp>
         <p:nvSpPr>
-          <p:cNvPr id="9" name="Rectangle 62">
-            <a:extLst>
-              <a:ext uri="{FF2B5EF4-FFF2-40B4-BE49-F238E27FC236}">
-                <a16:creationId xmlns:a16="http://schemas.microsoft.com/office/drawing/2014/main" id="{C6C6D6FC-A474-5E47-9741-288722AF7FA7}"/>
+          <p:cNvPr id="10" name="Rectangle 62">
+            <a:extLst>
+              <a:ext uri="{FF2B5EF4-FFF2-40B4-BE49-F238E27FC236}">
+                <a16:creationId xmlns:a16="http://schemas.microsoft.com/office/drawing/2014/main" id="{FF652816-CFE5-8A4C-B893-14CDD7D36910}"/>
               </a:ext>
             </a:extLst>
           </p:cNvPr>
@@ -3711,7 +3709,7 @@
         </p:nvSpPr>
         <p:spPr>
           <a:xfrm>
-            <a:off x="2870459" y="1490348"/>
+            <a:off x="5635009" y="753374"/>
             <a:ext cx="1621173" cy="467684"/>
           </a:xfrm>
           <a:prstGeom prst="rect">
@@ -3788,10 +3786,10 @@
       </p:sp>
       <p:cxnSp>
         <p:nvCxnSpPr>
-          <p:cNvPr id="10" name="Straight Connector 9">
-            <a:extLst>
-              <a:ext uri="{FF2B5EF4-FFF2-40B4-BE49-F238E27FC236}">
-                <a16:creationId xmlns:a16="http://schemas.microsoft.com/office/drawing/2014/main" id="{73B9F630-D26D-5443-9693-8C3AD92E67BE}"/>
+          <p:cNvPr id="11" name="Straight Connector 10">
+            <a:extLst>
+              <a:ext uri="{FF2B5EF4-FFF2-40B4-BE49-F238E27FC236}">
+                <a16:creationId xmlns:a16="http://schemas.microsoft.com/office/drawing/2014/main" id="{D27208A7-7A1C-A248-A3F0-959355EB7723}"/>
               </a:ext>
             </a:extLst>
           </p:cNvPr>
@@ -3802,7 +3800,7 @@
         </p:nvCxnSpPr>
         <p:spPr>
           <a:xfrm>
-            <a:off x="3664851" y="1958032"/>
+            <a:off x="6429401" y="1221058"/>
             <a:ext cx="0" cy="2579755"/>
           </a:xfrm>
           <a:prstGeom prst="line">
@@ -3833,10 +3831,10 @@
       </p:cxnSp>
       <p:sp>
         <p:nvSpPr>
-          <p:cNvPr id="11" name="Rectangle 10">
-            <a:extLst>
-              <a:ext uri="{FF2B5EF4-FFF2-40B4-BE49-F238E27FC236}">
-                <a16:creationId xmlns:a16="http://schemas.microsoft.com/office/drawing/2014/main" id="{4F877B8F-D687-DC41-B28D-0536B6AFD631}"/>
+          <p:cNvPr id="12" name="Rectangle 11">
+            <a:extLst>
+              <a:ext uri="{FF2B5EF4-FFF2-40B4-BE49-F238E27FC236}">
+                <a16:creationId xmlns:a16="http://schemas.microsoft.com/office/drawing/2014/main" id="{325C4241-B668-F24A-942B-27BC8DA9D8ED}"/>
               </a:ext>
             </a:extLst>
           </p:cNvPr>
@@ -3845,7 +3843,7 @@
         </p:nvSpPr>
         <p:spPr>
           <a:xfrm>
-            <a:off x="3592844" y="2516915"/>
+            <a:off x="6357394" y="1779941"/>
             <a:ext cx="154408" cy="1787652"/>
           </a:xfrm>
           <a:prstGeom prst="rect">
@@ -3890,24 +3888,24 @@
       </p:sp>
       <p:cxnSp>
         <p:nvCxnSpPr>
-          <p:cNvPr id="12" name="Straight Connector 11">
-            <a:extLst>
-              <a:ext uri="{FF2B5EF4-FFF2-40B4-BE49-F238E27FC236}">
-                <a16:creationId xmlns:a16="http://schemas.microsoft.com/office/drawing/2014/main" id="{A5637EEF-525C-574E-82CA-7909C0D35314}"/>
+          <p:cNvPr id="13" name="Straight Connector 12">
+            <a:extLst>
+              <a:ext uri="{FF2B5EF4-FFF2-40B4-BE49-F238E27FC236}">
+                <a16:creationId xmlns:a16="http://schemas.microsoft.com/office/drawing/2014/main" id="{FB62FA8A-F92D-F74A-9972-7916B5C63E8D}"/>
               </a:ext>
             </a:extLst>
           </p:cNvPr>
           <p:cNvCxnSpPr>
             <a:cxnSpLocks/>
-            <a:stCxn id="13" idx="0"/>
-            <a:endCxn id="26" idx="0"/>
+            <a:stCxn id="14" idx="0"/>
+            <a:endCxn id="27" idx="0"/>
           </p:cNvCxnSpPr>
           <p:nvPr/>
         </p:nvCxnSpPr>
         <p:spPr>
           <a:xfrm>
-            <a:off x="6264411" y="3556000"/>
-            <a:ext cx="0" cy="2783386"/>
+            <a:off x="9028961" y="2819026"/>
+            <a:ext cx="0" cy="3571151"/>
           </a:xfrm>
           <a:prstGeom prst="line">
             <a:avLst/>
@@ -3937,10 +3935,10 @@
       </p:cxnSp>
       <p:sp>
         <p:nvSpPr>
-          <p:cNvPr id="13" name="Rectangle 12">
-            <a:extLst>
-              <a:ext uri="{FF2B5EF4-FFF2-40B4-BE49-F238E27FC236}">
-                <a16:creationId xmlns:a16="http://schemas.microsoft.com/office/drawing/2014/main" id="{DF73B61A-24D4-EF49-BA59-92FA59434D28}"/>
+          <p:cNvPr id="14" name="Rectangle 13">
+            <a:extLst>
+              <a:ext uri="{FF2B5EF4-FFF2-40B4-BE49-F238E27FC236}">
+                <a16:creationId xmlns:a16="http://schemas.microsoft.com/office/drawing/2014/main" id="{E133E16D-E5E2-624D-ABF5-1E831FD31AB7}"/>
               </a:ext>
             </a:extLst>
           </p:cNvPr>
@@ -3949,7 +3947,7 @@
         </p:nvSpPr>
         <p:spPr>
           <a:xfrm>
-            <a:off x="6188211" y="3556000"/>
+            <a:off x="8952761" y="2819026"/>
             <a:ext cx="152400" cy="276003"/>
           </a:xfrm>
           <a:prstGeom prst="rect">
@@ -3990,10 +3988,10 @@
       </p:sp>
       <p:cxnSp>
         <p:nvCxnSpPr>
-          <p:cNvPr id="14" name="Straight Arrow Connector 13">
-            <a:extLst>
-              <a:ext uri="{FF2B5EF4-FFF2-40B4-BE49-F238E27FC236}">
-                <a16:creationId xmlns:a16="http://schemas.microsoft.com/office/drawing/2014/main" id="{D1B92C15-6E5D-FA48-A075-653F3731B594}"/>
+          <p:cNvPr id="15" name="Straight Arrow Connector 14">
+            <a:extLst>
+              <a:ext uri="{FF2B5EF4-FFF2-40B4-BE49-F238E27FC236}">
+                <a16:creationId xmlns:a16="http://schemas.microsoft.com/office/drawing/2014/main" id="{B5484F25-F5B6-0C4F-8D6D-2CE5491064DC}"/>
               </a:ext>
             </a:extLst>
           </p:cNvPr>
@@ -4003,16 +4001,16 @@
           <p:nvPr/>
         </p:nvCxnSpPr>
         <p:spPr>
-          <a:xfrm>
-            <a:off x="-152400" y="2409416"/>
-            <a:ext cx="1607838" cy="3688"/>
+          <a:xfrm flipV="1">
+            <a:off x="1851568" y="1676131"/>
+            <a:ext cx="2368420" cy="1751"/>
           </a:xfrm>
           <a:prstGeom prst="straightConnector1">
             <a:avLst/>
           </a:prstGeom>
           <a:ln w="19050">
             <a:solidFill>
-              <a:srgbClr val="00B050"/>
+              <a:schemeClr val="accent6"/>
             </a:solidFill>
             <a:tailEnd type="arrow"/>
           </a:ln>
@@ -4034,10 +4032,10 @@
       </p:cxnSp>
       <p:sp>
         <p:nvSpPr>
-          <p:cNvPr id="15" name="TextBox 14">
-            <a:extLst>
-              <a:ext uri="{FF2B5EF4-FFF2-40B4-BE49-F238E27FC236}">
-                <a16:creationId xmlns:a16="http://schemas.microsoft.com/office/drawing/2014/main" id="{81D72AC7-499D-0043-B79D-D6622050EA7A}"/>
+          <p:cNvPr id="16" name="TextBox 15">
+            <a:extLst>
+              <a:ext uri="{FF2B5EF4-FFF2-40B4-BE49-F238E27FC236}">
+                <a16:creationId xmlns:a16="http://schemas.microsoft.com/office/drawing/2014/main" id="{110A218F-F4B2-F948-A301-2716E91E66D1}"/>
               </a:ext>
             </a:extLst>
           </p:cNvPr>
@@ -4046,7 +4044,7 @@
         </p:nvSpPr>
         <p:spPr>
           <a:xfrm>
-            <a:off x="-472307" y="2493189"/>
+            <a:off x="2292243" y="1756215"/>
             <a:ext cx="1982768" cy="215444"/>
           </a:xfrm>
           <a:prstGeom prst="rect">
@@ -4074,10 +4072,10 @@
       </p:sp>
       <p:cxnSp>
         <p:nvCxnSpPr>
-          <p:cNvPr id="16" name="Straight Arrow Connector 15">
-            <a:extLst>
-              <a:ext uri="{FF2B5EF4-FFF2-40B4-BE49-F238E27FC236}">
-                <a16:creationId xmlns:a16="http://schemas.microsoft.com/office/drawing/2014/main" id="{828090AD-2692-9544-B955-76EF41F9582C}"/>
+          <p:cNvPr id="17" name="Straight Arrow Connector 16">
+            <a:extLst>
+              <a:ext uri="{FF2B5EF4-FFF2-40B4-BE49-F238E27FC236}">
+                <a16:creationId xmlns:a16="http://schemas.microsoft.com/office/drawing/2014/main" id="{0DAC8FBC-A758-6B41-87F3-3F31B6F80757}"/>
               </a:ext>
             </a:extLst>
           </p:cNvPr>
@@ -4088,7 +4086,7 @@
         </p:nvCxnSpPr>
         <p:spPr>
           <a:xfrm>
-            <a:off x="5299201" y="3342508"/>
+            <a:off x="8063751" y="2605534"/>
             <a:ext cx="421492" cy="1"/>
           </a:xfrm>
           <a:prstGeom prst="straightConnector1">
@@ -4118,10 +4116,10 @@
       </p:cxnSp>
       <p:sp>
         <p:nvSpPr>
-          <p:cNvPr id="17" name="TextBox 16">
-            <a:extLst>
-              <a:ext uri="{FF2B5EF4-FFF2-40B4-BE49-F238E27FC236}">
-                <a16:creationId xmlns:a16="http://schemas.microsoft.com/office/drawing/2014/main" id="{CB0A7344-397F-E747-AB93-D99FA213E56A}"/>
+          <p:cNvPr id="18" name="TextBox 17">
+            <a:extLst>
+              <a:ext uri="{FF2B5EF4-FFF2-40B4-BE49-F238E27FC236}">
+                <a16:creationId xmlns:a16="http://schemas.microsoft.com/office/drawing/2014/main" id="{EF11C5F7-A7AD-A647-B717-1935FC47A680}"/>
               </a:ext>
             </a:extLst>
           </p:cNvPr>
@@ -4130,7 +4128,7 @@
         </p:nvSpPr>
         <p:spPr>
           <a:xfrm>
-            <a:off x="3362241" y="4747236"/>
+            <a:off x="6126791" y="4010262"/>
             <a:ext cx="855809" cy="215444"/>
           </a:xfrm>
           <a:prstGeom prst="rect">
@@ -4164,10 +4162,10 @@
       </p:sp>
       <p:cxnSp>
         <p:nvCxnSpPr>
-          <p:cNvPr id="18" name="Straight Arrow Connector 17">
-            <a:extLst>
-              <a:ext uri="{FF2B5EF4-FFF2-40B4-BE49-F238E27FC236}">
-                <a16:creationId xmlns:a16="http://schemas.microsoft.com/office/drawing/2014/main" id="{1201B277-C82E-DA47-A041-6DA14228218C}"/>
+          <p:cNvPr id="19" name="Straight Arrow Connector 18">
+            <a:extLst>
+              <a:ext uri="{FF2B5EF4-FFF2-40B4-BE49-F238E27FC236}">
+                <a16:creationId xmlns:a16="http://schemas.microsoft.com/office/drawing/2014/main" id="{F3FC6E33-295A-0940-BE3C-0E7835BB9510}"/>
               </a:ext>
             </a:extLst>
           </p:cNvPr>
@@ -4178,7 +4176,7 @@
         </p:nvCxnSpPr>
         <p:spPr>
           <a:xfrm>
-            <a:off x="5299201" y="3825697"/>
+            <a:off x="8063751" y="3088723"/>
             <a:ext cx="965210" cy="0"/>
           </a:xfrm>
           <a:prstGeom prst="straightConnector1">
@@ -4210,10 +4208,10 @@
       </p:cxnSp>
       <p:cxnSp>
         <p:nvCxnSpPr>
-          <p:cNvPr id="19" name="Straight Arrow Connector 18">
-            <a:extLst>
-              <a:ext uri="{FF2B5EF4-FFF2-40B4-BE49-F238E27FC236}">
-                <a16:creationId xmlns:a16="http://schemas.microsoft.com/office/drawing/2014/main" id="{25A6F12A-E0CE-A246-B136-EFE3F088D108}"/>
+          <p:cNvPr id="20" name="Straight Arrow Connector 19">
+            <a:extLst>
+              <a:ext uri="{FF2B5EF4-FFF2-40B4-BE49-F238E27FC236}">
+                <a16:creationId xmlns:a16="http://schemas.microsoft.com/office/drawing/2014/main" id="{FEE350D7-DAE3-B14E-A250-75FAE9C8A6A4}"/>
               </a:ext>
             </a:extLst>
           </p:cNvPr>
@@ -4224,7 +4222,7 @@
         </p:nvCxnSpPr>
         <p:spPr>
           <a:xfrm flipV="1">
-            <a:off x="1607838" y="4305637"/>
+            <a:off x="4372388" y="3568663"/>
             <a:ext cx="1982768" cy="12363"/>
           </a:xfrm>
           <a:prstGeom prst="straightConnector1">
@@ -4256,10 +4254,10 @@
       </p:cxnSp>
       <p:cxnSp>
         <p:nvCxnSpPr>
-          <p:cNvPr id="20" name="Straight Arrow Connector 19">
-            <a:extLst>
-              <a:ext uri="{FF2B5EF4-FFF2-40B4-BE49-F238E27FC236}">
-                <a16:creationId xmlns:a16="http://schemas.microsoft.com/office/drawing/2014/main" id="{A3488BDA-C66D-CA48-91EF-51A338C3AC0C}"/>
+          <p:cNvPr id="21" name="Straight Arrow Connector 20">
+            <a:extLst>
+              <a:ext uri="{FF2B5EF4-FFF2-40B4-BE49-F238E27FC236}">
+                <a16:creationId xmlns:a16="http://schemas.microsoft.com/office/drawing/2014/main" id="{49448EF5-B01F-1049-8864-51BE94021A24}"/>
               </a:ext>
             </a:extLst>
           </p:cNvPr>
@@ -4270,8 +4268,8 @@
         </p:nvCxnSpPr>
         <p:spPr>
           <a:xfrm>
-            <a:off x="-304800" y="5829633"/>
-            <a:ext cx="1844291" cy="0"/>
+            <a:off x="1917333" y="5085531"/>
+            <a:ext cx="2368420" cy="7129"/>
           </a:xfrm>
           <a:prstGeom prst="straightConnector1">
             <a:avLst/>
@@ -4302,10 +4300,10 @@
       </p:cxnSp>
       <p:sp>
         <p:nvSpPr>
-          <p:cNvPr id="21" name="Rectangle 20">
-            <a:extLst>
-              <a:ext uri="{FF2B5EF4-FFF2-40B4-BE49-F238E27FC236}">
-                <a16:creationId xmlns:a16="http://schemas.microsoft.com/office/drawing/2014/main" id="{E821616A-23BA-B544-B3C1-D55B0248AAD5}"/>
+          <p:cNvPr id="22" name="Rectangle 21">
+            <a:extLst>
+              <a:ext uri="{FF2B5EF4-FFF2-40B4-BE49-F238E27FC236}">
+                <a16:creationId xmlns:a16="http://schemas.microsoft.com/office/drawing/2014/main" id="{9D31A977-E629-524F-917D-3296F27FD5E1}"/>
               </a:ext>
             </a:extLst>
           </p:cNvPr>
@@ -4314,7 +4312,7 @@
         </p:nvSpPr>
         <p:spPr>
           <a:xfrm>
-            <a:off x="6188817" y="4673680"/>
+            <a:off x="8953367" y="3936706"/>
             <a:ext cx="161322" cy="1064149"/>
           </a:xfrm>
           <a:prstGeom prst="rect">
@@ -4355,10 +4353,10 @@
       </p:sp>
       <p:sp>
         <p:nvSpPr>
-          <p:cNvPr id="22" name="TextBox 21">
-            <a:extLst>
-              <a:ext uri="{FF2B5EF4-FFF2-40B4-BE49-F238E27FC236}">
-                <a16:creationId xmlns:a16="http://schemas.microsoft.com/office/drawing/2014/main" id="{916D3F10-0F1B-8B46-A184-2D0CCDF94722}"/>
+          <p:cNvPr id="23" name="TextBox 22">
+            <a:extLst>
+              <a:ext uri="{FF2B5EF4-FFF2-40B4-BE49-F238E27FC236}">
+                <a16:creationId xmlns:a16="http://schemas.microsoft.com/office/drawing/2014/main" id="{52A79B53-436E-C748-ACB5-2F014085FE1F}"/>
               </a:ext>
             </a:extLst>
           </p:cNvPr>
@@ -4367,7 +4365,7 @@
         </p:nvSpPr>
         <p:spPr>
           <a:xfrm>
-            <a:off x="1832246" y="2052651"/>
+            <a:off x="4596796" y="1315677"/>
             <a:ext cx="1712485" cy="430887"/>
           </a:xfrm>
           <a:prstGeom prst="rect">
@@ -4406,10 +4404,10 @@
       </p:sp>
       <p:sp>
         <p:nvSpPr>
-          <p:cNvPr id="23" name="TextBox 22">
-            <a:extLst>
-              <a:ext uri="{FF2B5EF4-FFF2-40B4-BE49-F238E27FC236}">
-                <a16:creationId xmlns:a16="http://schemas.microsoft.com/office/drawing/2014/main" id="{84BEF3AE-4139-0844-B866-0C75C22B2891}"/>
+          <p:cNvPr id="24" name="TextBox 23">
+            <a:extLst>
+              <a:ext uri="{FF2B5EF4-FFF2-40B4-BE49-F238E27FC236}">
+                <a16:creationId xmlns:a16="http://schemas.microsoft.com/office/drawing/2014/main" id="{3A9B23D5-D11E-C74E-A63E-2588FBBE1754}"/>
               </a:ext>
             </a:extLst>
           </p:cNvPr>
@@ -4418,7 +4416,7 @@
         </p:nvSpPr>
         <p:spPr>
           <a:xfrm>
-            <a:off x="3452780" y="5447099"/>
+            <a:off x="6217330" y="4710125"/>
             <a:ext cx="621216" cy="215444"/>
           </a:xfrm>
           <a:prstGeom prst="rect">
@@ -4452,10 +4450,10 @@
       </p:sp>
       <p:sp>
         <p:nvSpPr>
-          <p:cNvPr id="24" name="TextBox 23">
-            <a:extLst>
-              <a:ext uri="{FF2B5EF4-FFF2-40B4-BE49-F238E27FC236}">
-                <a16:creationId xmlns:a16="http://schemas.microsoft.com/office/drawing/2014/main" id="{7EE2F2E2-F56E-474A-BBC6-3CB0056F8397}"/>
+          <p:cNvPr id="25" name="TextBox 24">
+            <a:extLst>
+              <a:ext uri="{FF2B5EF4-FFF2-40B4-BE49-F238E27FC236}">
+                <a16:creationId xmlns:a16="http://schemas.microsoft.com/office/drawing/2014/main" id="{279F26BB-8A64-064A-9717-B953213BF320}"/>
               </a:ext>
             </a:extLst>
           </p:cNvPr>
@@ -4464,7 +4462,7 @@
         </p:nvSpPr>
         <p:spPr>
           <a:xfrm>
-            <a:off x="436854" y="5554821"/>
+            <a:off x="3201404" y="4817847"/>
             <a:ext cx="762000" cy="215444"/>
           </a:xfrm>
           <a:prstGeom prst="rect">
@@ -4498,10 +4496,10 @@
       </p:sp>
       <p:sp>
         <p:nvSpPr>
-          <p:cNvPr id="25" name="TextBox 24">
-            <a:extLst>
-              <a:ext uri="{FF2B5EF4-FFF2-40B4-BE49-F238E27FC236}">
-                <a16:creationId xmlns:a16="http://schemas.microsoft.com/office/drawing/2014/main" id="{C087F818-20B9-CD49-8D99-6F960CDA9248}"/>
+          <p:cNvPr id="26" name="TextBox 25">
+            <a:extLst>
+              <a:ext uri="{FF2B5EF4-FFF2-40B4-BE49-F238E27FC236}">
+                <a16:creationId xmlns:a16="http://schemas.microsoft.com/office/drawing/2014/main" id="{E4E72755-8021-984C-9AF6-178FFD141EBA}"/>
               </a:ext>
             </a:extLst>
           </p:cNvPr>
@@ -4510,7 +4508,7 @@
         </p:nvSpPr>
         <p:spPr>
           <a:xfrm>
-            <a:off x="2580991" y="4068307"/>
+            <a:off x="5345541" y="3331333"/>
             <a:ext cx="220343" cy="215444"/>
           </a:xfrm>
           <a:prstGeom prst="rect">
@@ -4544,10 +4542,10 @@
       </p:sp>
       <p:sp>
         <p:nvSpPr>
-          <p:cNvPr id="26" name="TextBox 25">
-            <a:extLst>
-              <a:ext uri="{FF2B5EF4-FFF2-40B4-BE49-F238E27FC236}">
-                <a16:creationId xmlns:a16="http://schemas.microsoft.com/office/drawing/2014/main" id="{C3333A3B-F45A-BB40-8B18-8F457580A49F}"/>
+          <p:cNvPr id="27" name="TextBox 26">
+            <a:extLst>
+              <a:ext uri="{FF2B5EF4-FFF2-40B4-BE49-F238E27FC236}">
+                <a16:creationId xmlns:a16="http://schemas.microsoft.com/office/drawing/2014/main" id="{91660DE7-6D6D-C142-982E-0AACCED26D8B}"/>
               </a:ext>
             </a:extLst>
           </p:cNvPr>
@@ -4556,7 +4554,7 @@
         </p:nvSpPr>
         <p:spPr>
           <a:xfrm>
-            <a:off x="6135209" y="6339386"/>
+            <a:off x="8899759" y="6390177"/>
             <a:ext cx="258404" cy="261610"/>
           </a:xfrm>
           <a:prstGeom prst="rect">
@@ -4583,10 +4581,10 @@
       </p:sp>
       <p:sp>
         <p:nvSpPr>
-          <p:cNvPr id="27" name="Rectangle 62">
-            <a:extLst>
-              <a:ext uri="{FF2B5EF4-FFF2-40B4-BE49-F238E27FC236}">
-                <a16:creationId xmlns:a16="http://schemas.microsoft.com/office/drawing/2014/main" id="{E9A0C653-8130-FE4C-B457-D488385220E9}"/>
+          <p:cNvPr id="28" name="Rectangle 62">
+            <a:extLst>
+              <a:ext uri="{FF2B5EF4-FFF2-40B4-BE49-F238E27FC236}">
+                <a16:creationId xmlns:a16="http://schemas.microsoft.com/office/drawing/2014/main" id="{B3599C14-C5DC-2548-AC26-A0B007D061E7}"/>
               </a:ext>
             </a:extLst>
           </p:cNvPr>
@@ -4595,7 +4593,7 @@
         </p:nvSpPr>
         <p:spPr>
           <a:xfrm>
-            <a:off x="5698305" y="3090436"/>
+            <a:off x="8462855" y="2353462"/>
             <a:ext cx="1093635" cy="461538"/>
           </a:xfrm>
           <a:prstGeom prst="rect">
@@ -4663,10 +4661,10 @@
       </p:sp>
       <p:cxnSp>
         <p:nvCxnSpPr>
-          <p:cNvPr id="28" name="Straight Arrow Connector 27">
-            <a:extLst>
-              <a:ext uri="{FF2B5EF4-FFF2-40B4-BE49-F238E27FC236}">
-                <a16:creationId xmlns:a16="http://schemas.microsoft.com/office/drawing/2014/main" id="{7DFC17E8-A6B0-BB43-9916-17525E6FD473}"/>
+          <p:cNvPr id="29" name="Straight Arrow Connector 28">
+            <a:extLst>
+              <a:ext uri="{FF2B5EF4-FFF2-40B4-BE49-F238E27FC236}">
+                <a16:creationId xmlns:a16="http://schemas.microsoft.com/office/drawing/2014/main" id="{ABC8676D-425D-7D43-8DC8-3147E2742141}"/>
               </a:ext>
             </a:extLst>
           </p:cNvPr>
@@ -4677,7 +4675,7 @@
         </p:nvCxnSpPr>
         <p:spPr>
           <a:xfrm>
-            <a:off x="1510461" y="4683395"/>
+            <a:off x="4275011" y="3946421"/>
             <a:ext cx="4686264" cy="0"/>
           </a:xfrm>
           <a:prstGeom prst="straightConnector1">
@@ -4707,10 +4705,10 @@
       </p:cxnSp>
       <p:cxnSp>
         <p:nvCxnSpPr>
-          <p:cNvPr id="29" name="Straight Arrow Connector 28">
-            <a:extLst>
-              <a:ext uri="{FF2B5EF4-FFF2-40B4-BE49-F238E27FC236}">
-                <a16:creationId xmlns:a16="http://schemas.microsoft.com/office/drawing/2014/main" id="{A99023A8-35EA-384F-B5F0-6635E50964ED}"/>
+          <p:cNvPr id="30" name="Straight Arrow Connector 29">
+            <a:extLst>
+              <a:ext uri="{FF2B5EF4-FFF2-40B4-BE49-F238E27FC236}">
+                <a16:creationId xmlns:a16="http://schemas.microsoft.com/office/drawing/2014/main" id="{D0A9E821-23CE-584F-9D06-B534917906E6}"/>
               </a:ext>
             </a:extLst>
           </p:cNvPr>
@@ -4721,7 +4719,7 @@
         </p:nvCxnSpPr>
         <p:spPr>
           <a:xfrm>
-            <a:off x="1607838" y="2516915"/>
+            <a:off x="4372388" y="1779941"/>
             <a:ext cx="1982768" cy="8997"/>
           </a:xfrm>
           <a:prstGeom prst="straightConnector1">
@@ -4751,10 +4749,10 @@
       </p:cxnSp>
       <p:cxnSp>
         <p:nvCxnSpPr>
-          <p:cNvPr id="30" name="Straight Arrow Connector 29">
-            <a:extLst>
-              <a:ext uri="{FF2B5EF4-FFF2-40B4-BE49-F238E27FC236}">
-                <a16:creationId xmlns:a16="http://schemas.microsoft.com/office/drawing/2014/main" id="{3DED8402-093A-CF40-9A6E-F65DCF7AE042}"/>
+          <p:cNvPr id="31" name="Straight Arrow Connector 30">
+            <a:extLst>
+              <a:ext uri="{FF2B5EF4-FFF2-40B4-BE49-F238E27FC236}">
+                <a16:creationId xmlns:a16="http://schemas.microsoft.com/office/drawing/2014/main" id="{AB9A37A9-57C1-344A-92EF-A821BA69E345}"/>
               </a:ext>
             </a:extLst>
           </p:cNvPr>
@@ -4765,7 +4763,7 @@
         </p:nvCxnSpPr>
         <p:spPr>
           <a:xfrm>
-            <a:off x="1607838" y="5735693"/>
+            <a:off x="4372388" y="4998719"/>
             <a:ext cx="4616316" cy="0"/>
           </a:xfrm>
           <a:prstGeom prst="straightConnector1">
@@ -4797,10 +4795,10 @@
       </p:cxnSp>
       <p:sp>
         <p:nvSpPr>
-          <p:cNvPr id="31" name="Rectangle 62">
-            <a:extLst>
-              <a:ext uri="{FF2B5EF4-FFF2-40B4-BE49-F238E27FC236}">
-                <a16:creationId xmlns:a16="http://schemas.microsoft.com/office/drawing/2014/main" id="{96B0DC70-9019-9046-B422-B7A76EFD5298}"/>
+          <p:cNvPr id="32" name="Rectangle 62">
+            <a:extLst>
+              <a:ext uri="{FF2B5EF4-FFF2-40B4-BE49-F238E27FC236}">
+                <a16:creationId xmlns:a16="http://schemas.microsoft.com/office/drawing/2014/main" id="{9603B947-2A01-1542-92D7-0AA37989943D}"/>
               </a:ext>
             </a:extLst>
           </p:cNvPr>
@@ -4809,7 +4807,7 @@
         </p:nvSpPr>
         <p:spPr>
           <a:xfrm>
-            <a:off x="4265613" y="2297531"/>
+            <a:off x="7030163" y="1560557"/>
             <a:ext cx="1669034" cy="432035"/>
           </a:xfrm>
           <a:prstGeom prst="rect">
@@ -4886,10 +4884,10 @@
       </p:sp>
       <p:sp>
         <p:nvSpPr>
-          <p:cNvPr id="32" name="Rectangle 31">
-            <a:extLst>
-              <a:ext uri="{FF2B5EF4-FFF2-40B4-BE49-F238E27FC236}">
-                <a16:creationId xmlns:a16="http://schemas.microsoft.com/office/drawing/2014/main" id="{F4D80158-A16A-0645-BAF9-CCA5D58BD488}"/>
+          <p:cNvPr id="33" name="Rectangle 32">
+            <a:extLst>
+              <a:ext uri="{FF2B5EF4-FFF2-40B4-BE49-F238E27FC236}">
+                <a16:creationId xmlns:a16="http://schemas.microsoft.com/office/drawing/2014/main" id="{523853C4-DC85-C840-851B-23EF973C9297}"/>
               </a:ext>
             </a:extLst>
           </p:cNvPr>
@@ -4898,7 +4896,7 @@
         </p:nvSpPr>
         <p:spPr>
           <a:xfrm>
-            <a:off x="5128557" y="2746942"/>
+            <a:off x="7893107" y="2009968"/>
             <a:ext cx="205843" cy="123165"/>
           </a:xfrm>
           <a:prstGeom prst="rect">
@@ -4939,10 +4937,10 @@
       </p:sp>
       <p:cxnSp>
         <p:nvCxnSpPr>
-          <p:cNvPr id="33" name="Straight Arrow Connector 32">
-            <a:extLst>
-              <a:ext uri="{FF2B5EF4-FFF2-40B4-BE49-F238E27FC236}">
-                <a16:creationId xmlns:a16="http://schemas.microsoft.com/office/drawing/2014/main" id="{54A00148-1035-D148-BD0F-3FE58F5016CD}"/>
+          <p:cNvPr id="34" name="Straight Arrow Connector 33">
+            <a:extLst>
+              <a:ext uri="{FF2B5EF4-FFF2-40B4-BE49-F238E27FC236}">
+                <a16:creationId xmlns:a16="http://schemas.microsoft.com/office/drawing/2014/main" id="{A152DFDF-2807-624A-95E6-474A14C20214}"/>
               </a:ext>
             </a:extLst>
           </p:cNvPr>
@@ -4953,7 +4951,7 @@
         </p:nvCxnSpPr>
         <p:spPr>
           <a:xfrm>
-            <a:off x="3739777" y="2531573"/>
+            <a:off x="6504327" y="1794599"/>
             <a:ext cx="524859" cy="2805"/>
           </a:xfrm>
           <a:prstGeom prst="straightConnector1">
@@ -4983,10 +4981,10 @@
       </p:cxnSp>
       <p:cxnSp>
         <p:nvCxnSpPr>
-          <p:cNvPr id="34" name="Straight Arrow Connector 33">
-            <a:extLst>
-              <a:ext uri="{FF2B5EF4-FFF2-40B4-BE49-F238E27FC236}">
-                <a16:creationId xmlns:a16="http://schemas.microsoft.com/office/drawing/2014/main" id="{7E5AB45B-D91D-4944-B938-41A0E1EABE5F}"/>
+          <p:cNvPr id="35" name="Straight Arrow Connector 34">
+            <a:extLst>
+              <a:ext uri="{FF2B5EF4-FFF2-40B4-BE49-F238E27FC236}">
+                <a16:creationId xmlns:a16="http://schemas.microsoft.com/office/drawing/2014/main" id="{A369475D-A5DF-0241-AC60-CCB48560A2E9}"/>
               </a:ext>
             </a:extLst>
           </p:cNvPr>
@@ -4997,7 +4995,7 @@
         </p:nvCxnSpPr>
         <p:spPr>
           <a:xfrm flipV="1">
-            <a:off x="3736859" y="2864974"/>
+            <a:off x="6501409" y="2128000"/>
             <a:ext cx="1413025" cy="14566"/>
           </a:xfrm>
           <a:prstGeom prst="straightConnector1">
@@ -5029,22 +5027,22 @@
       </p:cxnSp>
       <p:cxnSp>
         <p:nvCxnSpPr>
-          <p:cNvPr id="35" name="Straight Connector 34">
-            <a:extLst>
-              <a:ext uri="{FF2B5EF4-FFF2-40B4-BE49-F238E27FC236}">
-                <a16:creationId xmlns:a16="http://schemas.microsoft.com/office/drawing/2014/main" id="{04F5BF3B-B7FA-A549-9525-A476CC3C38E7}"/>
+          <p:cNvPr id="36" name="Straight Connector 35">
+            <a:extLst>
+              <a:ext uri="{FF2B5EF4-FFF2-40B4-BE49-F238E27FC236}">
+                <a16:creationId xmlns:a16="http://schemas.microsoft.com/office/drawing/2014/main" id="{B7BA20DA-9713-3D4F-88AA-A5A6C66724E6}"/>
               </a:ext>
             </a:extLst>
           </p:cNvPr>
           <p:cNvCxnSpPr>
             <a:cxnSpLocks/>
-            <a:stCxn id="32" idx="2"/>
+            <a:stCxn id="33" idx="2"/>
           </p:cNvCxnSpPr>
           <p:nvPr/>
         </p:nvCxnSpPr>
         <p:spPr>
           <a:xfrm flipH="1">
-            <a:off x="5217606" y="2870107"/>
+            <a:off x="7982156" y="2133133"/>
             <a:ext cx="13873" cy="1733460"/>
           </a:xfrm>
           <a:prstGeom prst="line">
@@ -5075,10 +5073,10 @@
       </p:cxnSp>
       <p:sp>
         <p:nvSpPr>
-          <p:cNvPr id="36" name="Rectangle 35">
-            <a:extLst>
-              <a:ext uri="{FF2B5EF4-FFF2-40B4-BE49-F238E27FC236}">
-                <a16:creationId xmlns:a16="http://schemas.microsoft.com/office/drawing/2014/main" id="{1BC824E7-1355-5B41-B834-AF4DCF1D86B0}"/>
+          <p:cNvPr id="37" name="Rectangle 36">
+            <a:extLst>
+              <a:ext uri="{FF2B5EF4-FFF2-40B4-BE49-F238E27FC236}">
+                <a16:creationId xmlns:a16="http://schemas.microsoft.com/office/drawing/2014/main" id="{8B4819E5-BA07-884B-8A8A-68EE3B3F26FA}"/>
               </a:ext>
             </a:extLst>
           </p:cNvPr>
@@ -5087,7 +5085,7 @@
         </p:nvSpPr>
         <p:spPr>
           <a:xfrm>
-            <a:off x="5137879" y="3078390"/>
+            <a:off x="7902429" y="2341416"/>
             <a:ext cx="161322" cy="869855"/>
           </a:xfrm>
           <a:prstGeom prst="rect">
@@ -5128,10 +5126,10 @@
       </p:sp>
       <p:cxnSp>
         <p:nvCxnSpPr>
-          <p:cNvPr id="37" name="Straight Arrow Connector 36">
-            <a:extLst>
-              <a:ext uri="{FF2B5EF4-FFF2-40B4-BE49-F238E27FC236}">
-                <a16:creationId xmlns:a16="http://schemas.microsoft.com/office/drawing/2014/main" id="{75A5A4BA-7A88-7E42-8E0D-7B8E7B13A53A}"/>
+          <p:cNvPr id="38" name="Straight Arrow Connector 37">
+            <a:extLst>
+              <a:ext uri="{FF2B5EF4-FFF2-40B4-BE49-F238E27FC236}">
+                <a16:creationId xmlns:a16="http://schemas.microsoft.com/office/drawing/2014/main" id="{23E44E9A-E11B-3B4F-978C-78D9E4F30E90}"/>
               </a:ext>
             </a:extLst>
           </p:cNvPr>
@@ -5142,7 +5140,7 @@
         </p:nvCxnSpPr>
         <p:spPr>
           <a:xfrm>
-            <a:off x="3744556" y="3098800"/>
+            <a:off x="6509106" y="2361826"/>
             <a:ext cx="1379111" cy="0"/>
           </a:xfrm>
           <a:prstGeom prst="straightConnector1">
@@ -5172,10 +5170,10 @@
       </p:cxnSp>
       <p:cxnSp>
         <p:nvCxnSpPr>
-          <p:cNvPr id="38" name="Straight Arrow Connector 37">
-            <a:extLst>
-              <a:ext uri="{FF2B5EF4-FFF2-40B4-BE49-F238E27FC236}">
-                <a16:creationId xmlns:a16="http://schemas.microsoft.com/office/drawing/2014/main" id="{C66605A9-321D-6143-847E-1B2FAE8E53CE}"/>
+          <p:cNvPr id="39" name="Straight Arrow Connector 38">
+            <a:extLst>
+              <a:ext uri="{FF2B5EF4-FFF2-40B4-BE49-F238E27FC236}">
+                <a16:creationId xmlns:a16="http://schemas.microsoft.com/office/drawing/2014/main" id="{EADB04D9-BCC5-BA46-8910-D38E58CAE55D}"/>
               </a:ext>
             </a:extLst>
           </p:cNvPr>
@@ -5186,7 +5184,7 @@
         </p:nvCxnSpPr>
         <p:spPr>
           <a:xfrm>
-            <a:off x="3740754" y="3937000"/>
+            <a:off x="6505304" y="3200026"/>
             <a:ext cx="1382913" cy="0"/>
           </a:xfrm>
           <a:prstGeom prst="straightConnector1">
@@ -5218,10 +5216,10 @@
       </p:cxnSp>
       <p:sp>
         <p:nvSpPr>
-          <p:cNvPr id="39" name="TextBox 38">
-            <a:extLst>
-              <a:ext uri="{FF2B5EF4-FFF2-40B4-BE49-F238E27FC236}">
-                <a16:creationId xmlns:a16="http://schemas.microsoft.com/office/drawing/2014/main" id="{EA873B4A-829D-EA4E-8E49-0B075DA619D0}"/>
+          <p:cNvPr id="40" name="TextBox 39">
+            <a:extLst>
+              <a:ext uri="{FF2B5EF4-FFF2-40B4-BE49-F238E27FC236}">
+                <a16:creationId xmlns:a16="http://schemas.microsoft.com/office/drawing/2014/main" id="{52EFCE76-850C-AE4D-9F27-5AC7EAB700B1}"/>
               </a:ext>
             </a:extLst>
           </p:cNvPr>
@@ -5230,7 +5228,7 @@
         </p:nvSpPr>
         <p:spPr>
           <a:xfrm>
-            <a:off x="3761464" y="3166396"/>
+            <a:off x="6526014" y="2429422"/>
             <a:ext cx="1338532" cy="215444"/>
           </a:xfrm>
           <a:prstGeom prst="rect">
@@ -5263,56 +5261,12 @@
           </a:p>
         </p:txBody>
       </p:sp>
-      <p:cxnSp>
-        <p:nvCxnSpPr>
-          <p:cNvPr id="40" name="Straight Arrow Connector 39">
-            <a:extLst>
-              <a:ext uri="{FF2B5EF4-FFF2-40B4-BE49-F238E27FC236}">
-                <a16:creationId xmlns:a16="http://schemas.microsoft.com/office/drawing/2014/main" id="{06A2B7A1-B5CB-5F42-865D-249ECB4F88AF}"/>
-              </a:ext>
-            </a:extLst>
-          </p:cNvPr>
-          <p:cNvCxnSpPr>
-            <a:cxnSpLocks/>
-          </p:cNvCxnSpPr>
-          <p:nvPr/>
-        </p:nvCxnSpPr>
-        <p:spPr>
-          <a:xfrm flipV="1">
-            <a:off x="6245010" y="4933766"/>
-            <a:ext cx="1680677" cy="2"/>
-          </a:xfrm>
-          <a:prstGeom prst="straightConnector1">
-            <a:avLst/>
-          </a:prstGeom>
-          <a:ln w="19050">
-            <a:solidFill>
-              <a:srgbClr val="0070C0"/>
-            </a:solidFill>
-            <a:tailEnd type="arrow"/>
-          </a:ln>
-        </p:spPr>
-        <p:style>
-          <a:lnRef idx="1">
-            <a:schemeClr val="accent1"/>
-          </a:lnRef>
-          <a:fillRef idx="0">
-            <a:schemeClr val="accent1"/>
-          </a:fillRef>
-          <a:effectRef idx="0">
-            <a:schemeClr val="accent1"/>
-          </a:effectRef>
-          <a:fontRef idx="minor">
-            <a:schemeClr val="tx1"/>
-          </a:fontRef>
-        </p:style>
-      </p:cxnSp>
-      <p:sp>
-        <p:nvSpPr>
-          <p:cNvPr id="44" name="Rectangle 43">
-            <a:extLst>
-              <a:ext uri="{FF2B5EF4-FFF2-40B4-BE49-F238E27FC236}">
-                <a16:creationId xmlns:a16="http://schemas.microsoft.com/office/drawing/2014/main" id="{85BB57E7-CFA9-734D-9A6E-A24D8DCECEC3}"/>
+      <p:sp>
+        <p:nvSpPr>
+          <p:cNvPr id="42" name="Rectangle 41">
+            <a:extLst>
+              <a:ext uri="{FF2B5EF4-FFF2-40B4-BE49-F238E27FC236}">
+                <a16:creationId xmlns:a16="http://schemas.microsoft.com/office/drawing/2014/main" id="{15348689-0344-6D41-954C-017127F1B3AB}"/>
               </a:ext>
             </a:extLst>
           </p:cNvPr>
@@ -5321,7 +5275,7 @@
         </p:nvSpPr>
         <p:spPr>
           <a:xfrm>
-            <a:off x="7280473" y="1719059"/>
+            <a:off x="10045023" y="982085"/>
             <a:ext cx="1485061" cy="333592"/>
           </a:xfrm>
           <a:prstGeom prst="rect">
@@ -5371,10 +5325,10 @@
       </p:sp>
       <p:cxnSp>
         <p:nvCxnSpPr>
-          <p:cNvPr id="45" name="Straight Connector 44">
-            <a:extLst>
-              <a:ext uri="{FF2B5EF4-FFF2-40B4-BE49-F238E27FC236}">
-                <a16:creationId xmlns:a16="http://schemas.microsoft.com/office/drawing/2014/main" id="{9BCBB613-E591-AD48-A172-EC1EC9FDF6B4}"/>
+          <p:cNvPr id="43" name="Straight Connector 42">
+            <a:extLst>
+              <a:ext uri="{FF2B5EF4-FFF2-40B4-BE49-F238E27FC236}">
+                <a16:creationId xmlns:a16="http://schemas.microsoft.com/office/drawing/2014/main" id="{B5FC1D4D-A002-3343-9A29-56CD76711737}"/>
               </a:ext>
             </a:extLst>
           </p:cNvPr>
@@ -5385,7 +5339,7 @@
         </p:nvCxnSpPr>
         <p:spPr>
           <a:xfrm>
-            <a:off x="8023003" y="2003934"/>
+            <a:off x="10787553" y="1266960"/>
             <a:ext cx="0" cy="4335452"/>
           </a:xfrm>
           <a:prstGeom prst="line">
@@ -5416,10 +5370,10 @@
       </p:cxnSp>
       <p:sp>
         <p:nvSpPr>
-          <p:cNvPr id="48" name="Rectangle 47">
-            <a:extLst>
-              <a:ext uri="{FF2B5EF4-FFF2-40B4-BE49-F238E27FC236}">
-                <a16:creationId xmlns:a16="http://schemas.microsoft.com/office/drawing/2014/main" id="{0AD972A1-C9A4-F54E-BE89-55469432F95D}"/>
+          <p:cNvPr id="44" name="Rectangle 43">
+            <a:extLst>
+              <a:ext uri="{FF2B5EF4-FFF2-40B4-BE49-F238E27FC236}">
+                <a16:creationId xmlns:a16="http://schemas.microsoft.com/office/drawing/2014/main" id="{A053926C-E24E-C447-850E-C406861D988F}"/>
               </a:ext>
             </a:extLst>
           </p:cNvPr>
@@ -5428,8 +5382,8 @@
         </p:nvSpPr>
         <p:spPr>
           <a:xfrm>
-            <a:off x="7919512" y="4933766"/>
-            <a:ext cx="185934" cy="836496"/>
+            <a:off x="10684062" y="4196792"/>
+            <a:ext cx="185934" cy="2125552"/>
           </a:xfrm>
           <a:prstGeom prst="rect">
             <a:avLst/>
@@ -5470,10 +5424,10 @@
       </p:sp>
       <p:sp>
         <p:nvSpPr>
-          <p:cNvPr id="51" name="TextBox 50">
-            <a:extLst>
-              <a:ext uri="{FF2B5EF4-FFF2-40B4-BE49-F238E27FC236}">
-                <a16:creationId xmlns:a16="http://schemas.microsoft.com/office/drawing/2014/main" id="{9E71CE99-F9D5-3348-B538-8F67A86C0D46}"/>
+          <p:cNvPr id="45" name="TextBox 44">
+            <a:extLst>
+              <a:ext uri="{FF2B5EF4-FFF2-40B4-BE49-F238E27FC236}">
+                <a16:creationId xmlns:a16="http://schemas.microsoft.com/office/drawing/2014/main" id="{E19D5528-DCE7-2D40-A072-3A56DFBDCFB5}"/>
               </a:ext>
             </a:extLst>
           </p:cNvPr>
@@ -5482,16 +5436,13 @@
         </p:nvSpPr>
         <p:spPr>
           <a:xfrm>
-            <a:off x="8464747" y="4924290"/>
+            <a:off x="9227296" y="3915007"/>
             <a:ext cx="1338532" cy="215444"/>
           </a:xfrm>
           <a:prstGeom prst="rect">
             <a:avLst/>
           </a:prstGeom>
           <a:noFill/>
-          <a:ln>
-            <a:noFill/>
-          </a:ln>
         </p:spPr>
         <p:txBody>
           <a:bodyPr wrap="square" lIns="0" tIns="0" rIns="0" bIns="0" rtlCol="0">
@@ -5540,10 +5491,10 @@
       </p:sp>
       <p:cxnSp>
         <p:nvCxnSpPr>
-          <p:cNvPr id="52" name="Straight Arrow Connector 51">
-            <a:extLst>
-              <a:ext uri="{FF2B5EF4-FFF2-40B4-BE49-F238E27FC236}">
-                <a16:creationId xmlns:a16="http://schemas.microsoft.com/office/drawing/2014/main" id="{E1BD4207-838F-344D-87EF-B93E1DE0C6C0}"/>
+          <p:cNvPr id="46" name="Straight Arrow Connector 45">
+            <a:extLst>
+              <a:ext uri="{FF2B5EF4-FFF2-40B4-BE49-F238E27FC236}">
+                <a16:creationId xmlns:a16="http://schemas.microsoft.com/office/drawing/2014/main" id="{27E79A04-328D-F74D-ACAE-9BF339F64150}"/>
               </a:ext>
             </a:extLst>
           </p:cNvPr>
@@ -5554,8 +5505,213 @@
         </p:nvCxnSpPr>
         <p:spPr>
           <a:xfrm>
-            <a:off x="8105446" y="5205754"/>
-            <a:ext cx="2089730" cy="0"/>
+            <a:off x="9105161" y="4196792"/>
+            <a:ext cx="1578901" cy="0"/>
+          </a:xfrm>
+          <a:prstGeom prst="straightConnector1">
+            <a:avLst/>
+          </a:prstGeom>
+          <a:ln w="19050">
+            <a:solidFill>
+              <a:schemeClr val="accent1"/>
+            </a:solidFill>
+            <a:tailEnd type="arrow"/>
+          </a:ln>
+        </p:spPr>
+        <p:style>
+          <a:lnRef idx="1">
+            <a:schemeClr val="accent1"/>
+          </a:lnRef>
+          <a:fillRef idx="0">
+            <a:schemeClr val="accent1"/>
+          </a:fillRef>
+          <a:effectRef idx="0">
+            <a:schemeClr val="accent1"/>
+          </a:effectRef>
+          <a:fontRef idx="minor">
+            <a:schemeClr val="tx1"/>
+          </a:fontRef>
+        </p:style>
+      </p:cxnSp>
+      <p:sp>
+        <p:nvSpPr>
+          <p:cNvPr id="48" name="Rectangle 47">
+            <a:extLst>
+              <a:ext uri="{FF2B5EF4-FFF2-40B4-BE49-F238E27FC236}">
+                <a16:creationId xmlns:a16="http://schemas.microsoft.com/office/drawing/2014/main" id="{891977C6-8AD8-6845-BB91-1789A5D6A9E4}"/>
+              </a:ext>
+            </a:extLst>
+          </p:cNvPr>
+          <p:cNvSpPr/>
+          <p:nvPr/>
+        </p:nvSpPr>
+        <p:spPr>
+          <a:xfrm>
+            <a:off x="596829" y="2366098"/>
+            <a:ext cx="1680677" cy="333592"/>
+          </a:xfrm>
+          <a:prstGeom prst="rect">
+            <a:avLst/>
+          </a:prstGeom>
+          <a:solidFill>
+            <a:schemeClr val="accent6"/>
+          </a:solidFill>
+          <a:ln>
+            <a:solidFill>
+              <a:schemeClr val="accent6"/>
+            </a:solidFill>
+          </a:ln>
+        </p:spPr>
+        <p:style>
+          <a:lnRef idx="2">
+            <a:schemeClr val="accent1">
+              <a:shade val="50000"/>
+            </a:schemeClr>
+          </a:lnRef>
+          <a:fillRef idx="1">
+            <a:schemeClr val="accent1"/>
+          </a:fillRef>
+          <a:effectRef idx="0">
+            <a:schemeClr val="accent1"/>
+          </a:effectRef>
+          <a:fontRef idx="minor">
+            <a:schemeClr val="lt1"/>
+          </a:fontRef>
+        </p:style>
+        <p:txBody>
+          <a:bodyPr rtlCol="0" anchor="ctr"/>
+          <a:lstStyle/>
+          <a:p>
+            <a:pPr algn="ctr"/>
+            <a:r>
+              <a:rPr lang="en-US" dirty="0"/>
+              <a:t>:</a:t>
+            </a:r>
+            <a:r>
+              <a:rPr lang="en-US" dirty="0" err="1"/>
+              <a:t>MainWindow</a:t>
+            </a:r>
+            <a:endParaRPr lang="en-US" dirty="0"/>
+          </a:p>
+        </p:txBody>
+      </p:sp>
+      <p:cxnSp>
+        <p:nvCxnSpPr>
+          <p:cNvPr id="49" name="Straight Connector 48">
+            <a:extLst>
+              <a:ext uri="{FF2B5EF4-FFF2-40B4-BE49-F238E27FC236}">
+                <a16:creationId xmlns:a16="http://schemas.microsoft.com/office/drawing/2014/main" id="{503CFC2E-4721-8A41-9FB0-353DF56208D6}"/>
+              </a:ext>
+            </a:extLst>
+          </p:cNvPr>
+          <p:cNvCxnSpPr>
+            <a:cxnSpLocks/>
+          </p:cNvCxnSpPr>
+          <p:nvPr/>
+        </p:nvCxnSpPr>
+        <p:spPr>
+          <a:xfrm>
+            <a:off x="1437167" y="2690121"/>
+            <a:ext cx="0" cy="3934169"/>
+          </a:xfrm>
+          <a:prstGeom prst="line">
+            <a:avLst/>
+          </a:prstGeom>
+          <a:ln w="19050">
+            <a:solidFill>
+              <a:schemeClr val="accent6"/>
+            </a:solidFill>
+            <a:prstDash val="sysDash"/>
+          </a:ln>
+          <a:effectLst/>
+        </p:spPr>
+        <p:style>
+          <a:lnRef idx="1">
+            <a:schemeClr val="accent1"/>
+          </a:lnRef>
+          <a:fillRef idx="2">
+            <a:schemeClr val="accent1"/>
+          </a:fillRef>
+          <a:effectRef idx="1">
+            <a:schemeClr val="accent1"/>
+          </a:effectRef>
+          <a:fontRef idx="minor">
+            <a:schemeClr val="dk1"/>
+          </a:fontRef>
+        </p:style>
+      </p:cxnSp>
+      <p:sp>
+        <p:nvSpPr>
+          <p:cNvPr id="50" name="Rectangle 49">
+            <a:extLst>
+              <a:ext uri="{FF2B5EF4-FFF2-40B4-BE49-F238E27FC236}">
+                <a16:creationId xmlns:a16="http://schemas.microsoft.com/office/drawing/2014/main" id="{9910C73E-9588-D14D-AC48-DC7E812AFF92}"/>
+              </a:ext>
+            </a:extLst>
+          </p:cNvPr>
+          <p:cNvSpPr/>
+          <p:nvPr/>
+        </p:nvSpPr>
+        <p:spPr>
+          <a:xfrm>
+            <a:off x="1344200" y="5365962"/>
+            <a:ext cx="185934" cy="878049"/>
+          </a:xfrm>
+          <a:prstGeom prst="rect">
+            <a:avLst/>
+          </a:prstGeom>
+          <a:solidFill>
+            <a:schemeClr val="accent6"/>
+          </a:solidFill>
+          <a:ln>
+            <a:solidFill>
+              <a:schemeClr val="accent6"/>
+            </a:solidFill>
+          </a:ln>
+        </p:spPr>
+        <p:style>
+          <a:lnRef idx="2">
+            <a:schemeClr val="accent1">
+              <a:shade val="50000"/>
+            </a:schemeClr>
+          </a:lnRef>
+          <a:fillRef idx="1">
+            <a:schemeClr val="accent1"/>
+          </a:fillRef>
+          <a:effectRef idx="0">
+            <a:schemeClr val="accent1"/>
+          </a:effectRef>
+          <a:fontRef idx="minor">
+            <a:schemeClr val="lt1"/>
+          </a:fontRef>
+        </p:style>
+        <p:txBody>
+          <a:bodyPr rtlCol="0" anchor="ctr"/>
+          <a:lstStyle/>
+          <a:p>
+            <a:pPr algn="ctr"/>
+            <a:endParaRPr lang="en-US" dirty="0"/>
+          </a:p>
+        </p:txBody>
+      </p:sp>
+      <p:cxnSp>
+        <p:nvCxnSpPr>
+          <p:cNvPr id="51" name="Straight Arrow Connector 50">
+            <a:extLst>
+              <a:ext uri="{FF2B5EF4-FFF2-40B4-BE49-F238E27FC236}">
+                <a16:creationId xmlns:a16="http://schemas.microsoft.com/office/drawing/2014/main" id="{F68490D5-F025-7C4D-8D59-FFDED45E5907}"/>
+              </a:ext>
+            </a:extLst>
+          </p:cNvPr>
+          <p:cNvCxnSpPr>
+            <a:cxnSpLocks/>
+          </p:cNvCxnSpPr>
+          <p:nvPr/>
+        </p:nvCxnSpPr>
+        <p:spPr>
+          <a:xfrm flipH="1" flipV="1">
+            <a:off x="1530134" y="5382574"/>
+            <a:ext cx="9161421" cy="7129"/>
           </a:xfrm>
           <a:prstGeom prst="straightConnector1">
             <a:avLst/>
@@ -5584,10 +5740,10 @@
       </p:cxnSp>
       <p:sp>
         <p:nvSpPr>
-          <p:cNvPr id="53" name="TextBox 52">
-            <a:extLst>
-              <a:ext uri="{FF2B5EF4-FFF2-40B4-BE49-F238E27FC236}">
-                <a16:creationId xmlns:a16="http://schemas.microsoft.com/office/drawing/2014/main" id="{926A527E-F9F7-6448-B595-C4D7ADE7444F}"/>
+          <p:cNvPr id="52" name="TextBox 51">
+            <a:extLst>
+              <a:ext uri="{FF2B5EF4-FFF2-40B4-BE49-F238E27FC236}">
+                <a16:creationId xmlns:a16="http://schemas.microsoft.com/office/drawing/2014/main" id="{865533FB-27DF-8841-902B-C60F59F5D6EC}"/>
               </a:ext>
             </a:extLst>
           </p:cNvPr>
@@ -5596,13 +5752,16 @@
         </p:nvSpPr>
         <p:spPr>
           <a:xfrm>
-            <a:off x="6358050" y="4634183"/>
-            <a:ext cx="1550171" cy="215444"/>
+            <a:off x="5698638" y="5472816"/>
+            <a:ext cx="1839009" cy="215444"/>
           </a:xfrm>
           <a:prstGeom prst="rect">
             <a:avLst/>
           </a:prstGeom>
           <a:noFill/>
+          <a:ln>
+            <a:noFill/>
+          </a:ln>
         </p:spPr>
         <p:txBody>
           <a:bodyPr wrap="square" lIns="0" tIns="0" rIns="0" bIns="0" rtlCol="0">
@@ -5621,288 +5780,78 @@
             </a:lvl1pPr>
           </a:lstStyle>
           <a:p>
-            <a:r>
-              <a:rPr lang="en-US" dirty="0" err="1"/>
-              <a:t>FindEvent</a:t>
-            </a:r>
-            <a:r>
-              <a:rPr lang="en-US" dirty="0"/>
-              <a:t>(CS1010)</a:t>
-            </a:r>
-          </a:p>
-        </p:txBody>
-      </p:sp>
-      <p:sp>
-        <p:nvSpPr>
-          <p:cNvPr id="55" name="Rectangle 54">
-            <a:extLst>
-              <a:ext uri="{FF2B5EF4-FFF2-40B4-BE49-F238E27FC236}">
-                <a16:creationId xmlns:a16="http://schemas.microsoft.com/office/drawing/2014/main" id="{1BEBFFA7-D74B-0643-8A3C-33B22A94CEAF}"/>
-              </a:ext>
-            </a:extLst>
-          </p:cNvPr>
-          <p:cNvSpPr/>
+            <a:pPr algn="ctr"/>
+            <a:r>
+              <a:rPr lang="en-US" dirty="0" err="1">
+                <a:solidFill>
+                  <a:schemeClr val="accent6"/>
+                </a:solidFill>
+              </a:rPr>
+              <a:t>handleFindEvent</a:t>
+            </a:r>
+            <a:r>
+              <a:rPr lang="en-US" dirty="0">
+                <a:solidFill>
+                  <a:schemeClr val="accent6"/>
+                </a:solidFill>
+              </a:rPr>
+              <a:t>(event)</a:t>
+            </a:r>
+          </a:p>
+        </p:txBody>
+      </p:sp>
+      <p:cxnSp>
+        <p:nvCxnSpPr>
+          <p:cNvPr id="63" name="Straight Arrow Connector 62">
+            <a:extLst>
+              <a:ext uri="{FF2B5EF4-FFF2-40B4-BE49-F238E27FC236}">
+                <a16:creationId xmlns:a16="http://schemas.microsoft.com/office/drawing/2014/main" id="{CC75B25E-77B0-4840-9E9C-9F9E13B8C0F2}"/>
+              </a:ext>
+            </a:extLst>
+          </p:cNvPr>
+          <p:cNvCxnSpPr>
+            <a:cxnSpLocks/>
+            <a:endCxn id="50" idx="2"/>
+          </p:cNvCxnSpPr>
           <p:nvPr/>
-        </p:nvSpPr>
-        <p:spPr>
-          <a:xfrm>
-            <a:off x="9447805" y="1719059"/>
-            <a:ext cx="1680677" cy="333592"/>
-          </a:xfrm>
-          <a:prstGeom prst="rect">
+        </p:nvCxnSpPr>
+        <p:spPr>
+          <a:xfrm flipH="1">
+            <a:off x="1437167" y="6231528"/>
+            <a:ext cx="9246895" cy="12483"/>
+          </a:xfrm>
+          <a:prstGeom prst="straightConnector1">
             <a:avLst/>
           </a:prstGeom>
-          <a:solidFill>
-            <a:schemeClr val="accent6"/>
-          </a:solidFill>
-          <a:ln>
+          <a:ln w="19050" cap="flat" cmpd="sng" algn="ctr">
             <a:solidFill>
               <a:schemeClr val="accent6"/>
             </a:solidFill>
+            <a:prstDash val="dash"/>
+            <a:round/>
+            <a:headEnd type="arrow" w="med" len="med"/>
+            <a:tailEnd type="none" w="med" len="med"/>
           </a:ln>
         </p:spPr>
         <p:style>
-          <a:lnRef idx="2">
-            <a:schemeClr val="accent1">
-              <a:shade val="50000"/>
-            </a:schemeClr>
+          <a:lnRef idx="0">
+            <a:scrgbClr r="0" g="0" b="0"/>
           </a:lnRef>
-          <a:fillRef idx="1">
-            <a:schemeClr val="accent1"/>
+          <a:fillRef idx="0">
+            <a:scrgbClr r="0" g="0" b="0"/>
           </a:fillRef>
           <a:effectRef idx="0">
-            <a:schemeClr val="accent1"/>
-          </a:effectRef>
-          <a:fontRef idx="minor">
-            <a:schemeClr val="lt1"/>
-          </a:fontRef>
-        </p:style>
-        <p:txBody>
-          <a:bodyPr rtlCol="0" anchor="ctr"/>
-          <a:lstStyle/>
-          <a:p>
-            <a:pPr algn="ctr"/>
-            <a:r>
-              <a:rPr lang="en-US" dirty="0"/>
-              <a:t>:</a:t>
-            </a:r>
-            <a:r>
-              <a:rPr lang="en-US" dirty="0" err="1"/>
-              <a:t>MainWindow</a:t>
-            </a:r>
-            <a:endParaRPr lang="en-US" dirty="0"/>
-          </a:p>
-        </p:txBody>
-      </p:sp>
-      <p:cxnSp>
-        <p:nvCxnSpPr>
-          <p:cNvPr id="56" name="Straight Connector 55">
-            <a:extLst>
-              <a:ext uri="{FF2B5EF4-FFF2-40B4-BE49-F238E27FC236}">
-                <a16:creationId xmlns:a16="http://schemas.microsoft.com/office/drawing/2014/main" id="{9CEEAA65-D851-774A-BBD4-E3C20E82119D}"/>
-              </a:ext>
-            </a:extLst>
-          </p:cNvPr>
-          <p:cNvCxnSpPr>
-            <a:cxnSpLocks/>
-          </p:cNvCxnSpPr>
-          <p:nvPr/>
-        </p:nvCxnSpPr>
-        <p:spPr>
-          <a:xfrm>
-            <a:off x="10288143" y="2043082"/>
-            <a:ext cx="0" cy="4335452"/>
-          </a:xfrm>
-          <a:prstGeom prst="line">
-            <a:avLst/>
-          </a:prstGeom>
-          <a:ln w="19050">
-            <a:solidFill>
-              <a:schemeClr val="accent6"/>
-            </a:solidFill>
-            <a:prstDash val="sysDash"/>
-          </a:ln>
-          <a:effectLst/>
-        </p:spPr>
-        <p:style>
-          <a:lnRef idx="1">
-            <a:schemeClr val="accent1"/>
-          </a:lnRef>
-          <a:fillRef idx="2">
-            <a:schemeClr val="accent1"/>
-          </a:fillRef>
-          <a:effectRef idx="1">
-            <a:schemeClr val="accent1"/>
-          </a:effectRef>
-          <a:fontRef idx="minor">
-            <a:schemeClr val="dk1"/>
-          </a:fontRef>
-        </p:style>
-      </p:cxnSp>
-      <p:sp>
-        <p:nvSpPr>
-          <p:cNvPr id="57" name="Rectangle 56">
-            <a:extLst>
-              <a:ext uri="{FF2B5EF4-FFF2-40B4-BE49-F238E27FC236}">
-                <a16:creationId xmlns:a16="http://schemas.microsoft.com/office/drawing/2014/main" id="{55151BD9-B5D1-3C45-B37C-74DE7469F2D7}"/>
-              </a:ext>
-            </a:extLst>
-          </p:cNvPr>
-          <p:cNvSpPr/>
-          <p:nvPr/>
-        </p:nvSpPr>
-        <p:spPr>
-          <a:xfrm>
-            <a:off x="10195176" y="5205754"/>
-            <a:ext cx="185934" cy="820738"/>
-          </a:xfrm>
-          <a:prstGeom prst="rect">
-            <a:avLst/>
-          </a:prstGeom>
-          <a:solidFill>
-            <a:schemeClr val="accent6"/>
-          </a:solidFill>
-          <a:ln>
-            <a:solidFill>
-              <a:schemeClr val="accent6"/>
-            </a:solidFill>
-          </a:ln>
-        </p:spPr>
-        <p:style>
-          <a:lnRef idx="2">
-            <a:schemeClr val="accent1">
-              <a:shade val="50000"/>
-            </a:schemeClr>
-          </a:lnRef>
-          <a:fillRef idx="1">
-            <a:schemeClr val="accent1"/>
-          </a:fillRef>
-          <a:effectRef idx="0">
-            <a:schemeClr val="accent1"/>
-          </a:effectRef>
-          <a:fontRef idx="minor">
-            <a:schemeClr val="lt1"/>
-          </a:fontRef>
-        </p:style>
-        <p:txBody>
-          <a:bodyPr rtlCol="0" anchor="ctr"/>
-          <a:lstStyle/>
-          <a:p>
-            <a:pPr algn="ctr"/>
-            <a:endParaRPr lang="en-US" dirty="0"/>
-          </a:p>
-        </p:txBody>
-      </p:sp>
-      <p:cxnSp>
-        <p:nvCxnSpPr>
-          <p:cNvPr id="68" name="Straight Arrow Connector 67">
-            <a:extLst>
-              <a:ext uri="{FF2B5EF4-FFF2-40B4-BE49-F238E27FC236}">
-                <a16:creationId xmlns:a16="http://schemas.microsoft.com/office/drawing/2014/main" id="{7BE8C817-9322-FF4D-854D-3E19638DAC46}"/>
-              </a:ext>
-            </a:extLst>
-          </p:cNvPr>
-          <p:cNvCxnSpPr>
-            <a:cxnSpLocks/>
-          </p:cNvCxnSpPr>
-          <p:nvPr/>
-        </p:nvCxnSpPr>
-        <p:spPr>
-          <a:xfrm>
-            <a:off x="10245836" y="5352014"/>
-            <a:ext cx="2193157" cy="0"/>
-          </a:xfrm>
-          <a:prstGeom prst="straightConnector1">
-            <a:avLst/>
-          </a:prstGeom>
-          <a:ln w="19050">
-            <a:solidFill>
-              <a:schemeClr val="accent6"/>
-            </a:solidFill>
-            <a:tailEnd type="arrow"/>
-          </a:ln>
-        </p:spPr>
-        <p:style>
-          <a:lnRef idx="1">
-            <a:schemeClr val="accent1"/>
-          </a:lnRef>
-          <a:fillRef idx="0">
-            <a:schemeClr val="accent1"/>
-          </a:fillRef>
-          <a:effectRef idx="0">
-            <a:schemeClr val="accent1"/>
+            <a:scrgbClr r="0" g="0" b="0"/>
           </a:effectRef>
           <a:fontRef idx="minor">
             <a:schemeClr val="tx1"/>
           </a:fontRef>
         </p:style>
       </p:cxnSp>
-      <p:sp>
-        <p:nvSpPr>
-          <p:cNvPr id="70" name="TextBox 69">
-            <a:extLst>
-              <a:ext uri="{FF2B5EF4-FFF2-40B4-BE49-F238E27FC236}">
-                <a16:creationId xmlns:a16="http://schemas.microsoft.com/office/drawing/2014/main" id="{2AEF547C-C5BD-7248-B791-8CDC8509DDB3}"/>
-              </a:ext>
-            </a:extLst>
-          </p:cNvPr>
-          <p:cNvSpPr txBox="1"/>
-          <p:nvPr/>
-        </p:nvSpPr>
-        <p:spPr>
-          <a:xfrm>
-            <a:off x="10437340" y="5065560"/>
-            <a:ext cx="1839009" cy="215444"/>
-          </a:xfrm>
-          <a:prstGeom prst="rect">
-            <a:avLst/>
-          </a:prstGeom>
-          <a:noFill/>
-          <a:ln>
-            <a:noFill/>
-          </a:ln>
-        </p:spPr>
-        <p:txBody>
-          <a:bodyPr wrap="square" lIns="0" tIns="0" rIns="0" bIns="0" rtlCol="0">
-            <a:spAutoFit/>
-          </a:bodyPr>
-          <a:lstStyle>
-            <a:defPPr>
-              <a:defRPr lang="en-US"/>
-            </a:defPPr>
-            <a:lvl1pPr algn="r">
-              <a:defRPr sz="1400">
-                <a:solidFill>
-                  <a:srgbClr val="0070C0"/>
-                </a:solidFill>
-              </a:defRPr>
-            </a:lvl1pPr>
-          </a:lstStyle>
-          <a:p>
-            <a:pPr algn="ctr"/>
-            <a:r>
-              <a:rPr lang="en-US" dirty="0" err="1">
-                <a:solidFill>
-                  <a:schemeClr val="accent6"/>
-                </a:solidFill>
-              </a:rPr>
-              <a:t>handleFindEvent</a:t>
-            </a:r>
-            <a:r>
-              <a:rPr lang="en-US" dirty="0">
-                <a:solidFill>
-                  <a:schemeClr val="accent6"/>
-                </a:solidFill>
-              </a:rPr>
-              <a:t>(event)</a:t>
-            </a:r>
-          </a:p>
-        </p:txBody>
-      </p:sp>
     </p:spTree>
     <p:extLst>
       <p:ext uri="{BB962C8B-B14F-4D97-AF65-F5344CB8AC3E}">
-        <p14:creationId xmlns:p14="http://schemas.microsoft.com/office/powerpoint/2010/main" val="3696205580"/>
+        <p14:creationId xmlns:p14="http://schemas.microsoft.com/office/powerpoint/2010/main" val="3330741734"/>
       </p:ext>
     </p:extLst>
   </p:cSld>

--- a/docs/diagrams/FindSequenceDiagram.pptx
+++ b/docs/diagrams/FindSequenceDiagram.pptx
@@ -3447,7 +3447,7 @@
                   <a:srgbClr val="30869C"/>
                 </a:solidFill>
               </a:rPr>
-              <a:t>Common</a:t>
+              <a:t>Commons</a:t>
             </a:r>
             <a:endParaRPr lang="en-SG" sz="1200" b="1" dirty="0">
               <a:solidFill>
